--- a/Il Mago Sabbiolino.pptx
+++ b/Il Mago Sabbiolino.pptx
@@ -5197,16 +5197,7 @@
                 </a:solidFill>
                 <a:latin typeface="Bahnschrift SemiLight" pitchFamily="34" charset="0"/>
               </a:rPr>
-              <a:t>Standard utilizz</a:t>
-            </a:r>
-            <a:r>
-              <a:rPr lang="it-IT" sz="3200" dirty="0" smtClean="0">
-                <a:solidFill>
-                  <a:schemeClr val="bg1"/>
-                </a:solidFill>
-                <a:latin typeface="Bahnschrift SemiLight" pitchFamily="34" charset="0"/>
-              </a:rPr>
-              <a:t>ati </a:t>
+              <a:t>Standard utilizzati </a:t>
             </a:r>
             <a:endParaRPr lang="it-IT" sz="3200" dirty="0"/>
           </a:p>
@@ -5224,13 +5215,13 @@
         </p:nvSpPr>
         <p:spPr>
           <a:xfrm>
-            <a:off x="179512" y="1052736"/>
-            <a:ext cx="4968552" cy="5472608"/>
+            <a:off x="27167" y="908720"/>
+            <a:ext cx="5328592" cy="5688632"/>
           </a:xfrm>
         </p:spPr>
         <p:txBody>
           <a:bodyPr>
-            <a:normAutofit/>
+            <a:normAutofit lnSpcReduction="10000"/>
           </a:bodyPr>
           <a:lstStyle/>
           <a:p>
@@ -5365,8 +5356,23 @@
                 </a:solidFill>
                 <a:latin typeface="Bahnschrift SemiLight" pitchFamily="34" charset="0"/>
               </a:rPr>
-              <a:t>Completare XML/DC e XML/TEI</a:t>
-            </a:r>
+              <a:t>Completare </a:t>
+            </a:r>
+            <a:r>
+              <a:rPr lang="it-IT" sz="2200" dirty="0" smtClean="0">
+                <a:solidFill>
+                  <a:schemeClr val="bg1"/>
+                </a:solidFill>
+                <a:latin typeface="Bahnschrift SemiLight" pitchFamily="34" charset="0"/>
+              </a:rPr>
+              <a:t>XML/DC, XML/TEI, XML/RDF</a:t>
+            </a:r>
+            <a:endParaRPr lang="it-IT" sz="2200" dirty="0" smtClean="0">
+              <a:solidFill>
+                <a:schemeClr val="bg1"/>
+              </a:solidFill>
+              <a:latin typeface="Bahnschrift SemiLight" pitchFamily="34" charset="0"/>
+            </a:endParaRPr>
           </a:p>
           <a:p>
             <a:pPr marL="0" indent="0">
@@ -5408,33 +5414,31 @@
                 </a:solidFill>
                 <a:latin typeface="Bahnschrift SemiLight" pitchFamily="34" charset="0"/>
               </a:rPr>
-              <a:t>.)</a:t>
+              <a:t>.) + Marcare </a:t>
+            </a:r>
+            <a:r>
+              <a:rPr lang="it-IT" sz="2200" dirty="0" smtClean="0">
+                <a:solidFill>
+                  <a:schemeClr val="bg1"/>
+                </a:solidFill>
+                <a:latin typeface="Bahnschrift SemiLight" pitchFamily="34" charset="0"/>
+              </a:rPr>
+              <a:t>la descrizione del Mago nei fumetti (item aggiunti</a:t>
+            </a:r>
+            <a:r>
+              <a:rPr lang="it-IT" sz="2200" dirty="0" smtClean="0">
+                <a:solidFill>
+                  <a:schemeClr val="bg1"/>
+                </a:solidFill>
+                <a:latin typeface="Bahnschrift SemiLight" pitchFamily="34" charset="0"/>
+              </a:rPr>
+              <a:t>)</a:t>
             </a:r>
           </a:p>
           <a:p>
             <a:pPr marL="0" indent="0">
               <a:buNone/>
             </a:pPr>
-            <a:endParaRPr lang="it-IT" sz="2200" dirty="0" smtClean="0">
-              <a:solidFill>
-                <a:schemeClr val="bg1"/>
-              </a:solidFill>
-              <a:latin typeface="Bahnschrift SemiLight" pitchFamily="34" charset="0"/>
-            </a:endParaRPr>
-          </a:p>
-          <a:p>
-            <a:pPr marL="0" indent="0">
-              <a:buNone/>
-            </a:pPr>
-            <a:r>
-              <a:rPr lang="it-IT" sz="2200" dirty="0" smtClean="0">
-                <a:solidFill>
-                  <a:schemeClr val="bg1"/>
-                </a:solidFill>
-                <a:latin typeface="Bahnschrift SemiLight" pitchFamily="34" charset="0"/>
-              </a:rPr>
-              <a:t>Marcare la descrizione del Mago nei fumetti (item aggiunti)</a:t>
-            </a:r>
             <a:endParaRPr lang="it-IT" sz="2200" dirty="0">
               <a:solidFill>
                 <a:schemeClr val="bg1"/>
@@ -5446,6 +5450,26 @@
             <a:pPr marL="0" indent="0">
               <a:buNone/>
             </a:pPr>
+            <a:r>
+              <a:rPr lang="it-IT" sz="2200" dirty="0" smtClean="0">
+                <a:solidFill>
+                  <a:schemeClr val="bg1"/>
+                </a:solidFill>
+                <a:latin typeface="Bahnschrift SemiLight" pitchFamily="34" charset="0"/>
+              </a:rPr>
+              <a:t>Marcare foto Pagina persona con scheda F ICCD</a:t>
+            </a:r>
+            <a:endParaRPr lang="it-IT" sz="2200" dirty="0">
+              <a:solidFill>
+                <a:schemeClr val="bg1"/>
+              </a:solidFill>
+              <a:latin typeface="Bahnschrift SemiLight" pitchFamily="34" charset="0"/>
+            </a:endParaRPr>
+          </a:p>
+          <a:p>
+            <a:pPr marL="0" indent="0">
+              <a:buNone/>
+            </a:pPr>
             <a:endParaRPr lang="it-IT" sz="2200" dirty="0" smtClean="0">
               <a:solidFill>
                 <a:schemeClr val="bg1"/>
@@ -5525,7 +5549,7 @@
         </p:nvSpPr>
         <p:spPr>
           <a:xfrm>
-            <a:off x="1979712" y="2852936"/>
+            <a:off x="1979712" y="2561590"/>
             <a:ext cx="360040" cy="360040"/>
           </a:xfrm>
           <a:prstGeom prst="mathPlus">

--- a/Il Mago Sabbiolino.pptx
+++ b/Il Mago Sabbiolino.pptx
@@ -197,7 +197,7 @@
           <a:p>
             <a:fld id="{3CD7D6AB-558B-4CA8-8A3A-25BF88B241B2}" type="datetimeFigureOut">
               <a:rPr lang="it-IT" smtClean="0"/>
-              <a:t>22/11/2022</a:t>
+              <a:t>23/11/2022</a:t>
             </a:fld>
             <a:endParaRPr lang="it-IT"/>
           </a:p>
@@ -730,7 +730,7 @@
           <a:p>
             <a:fld id="{9E8B3732-C370-458B-9B15-AC4F5D8B28D7}" type="datetime1">
               <a:rPr lang="it-IT" smtClean="0"/>
-              <a:t>22/11/2022</a:t>
+              <a:t>23/11/2022</a:t>
             </a:fld>
             <a:endParaRPr lang="it-IT"/>
           </a:p>
@@ -904,7 +904,7 @@
           <a:p>
             <a:fld id="{97A07A04-AEB1-4D86-90D4-8D27E88E7098}" type="datetime1">
               <a:rPr lang="it-IT" smtClean="0"/>
-              <a:t>22/11/2022</a:t>
+              <a:t>23/11/2022</a:t>
             </a:fld>
             <a:endParaRPr lang="it-IT"/>
           </a:p>
@@ -1088,7 +1088,7 @@
           <a:p>
             <a:fld id="{3925EF7D-7938-40AB-8603-52572A526B3E}" type="datetime1">
               <a:rPr lang="it-IT" smtClean="0"/>
-              <a:t>22/11/2022</a:t>
+              <a:t>23/11/2022</a:t>
             </a:fld>
             <a:endParaRPr lang="it-IT"/>
           </a:p>
@@ -1262,7 +1262,7 @@
           <a:p>
             <a:fld id="{6B720CFF-D098-4379-B790-A96CA052DD7D}" type="datetime1">
               <a:rPr lang="it-IT" smtClean="0"/>
-              <a:t>22/11/2022</a:t>
+              <a:t>23/11/2022</a:t>
             </a:fld>
             <a:endParaRPr lang="it-IT"/>
           </a:p>
@@ -1512,7 +1512,7 @@
           <a:p>
             <a:fld id="{DD19C2CE-3762-449F-8D11-9871C0696D18}" type="datetime1">
               <a:rPr lang="it-IT" smtClean="0"/>
-              <a:t>22/11/2022</a:t>
+              <a:t>23/11/2022</a:t>
             </a:fld>
             <a:endParaRPr lang="it-IT"/>
           </a:p>
@@ -1804,7 +1804,7 @@
           <a:p>
             <a:fld id="{26ADC635-6342-4C0B-BF1E-F2FA3FB71739}" type="datetime1">
               <a:rPr lang="it-IT" smtClean="0"/>
-              <a:t>22/11/2022</a:t>
+              <a:t>23/11/2022</a:t>
             </a:fld>
             <a:endParaRPr lang="it-IT"/>
           </a:p>
@@ -2230,7 +2230,7 @@
           <a:p>
             <a:fld id="{0D9E95C9-C273-4C96-8ED1-A3708A8E9335}" type="datetime1">
               <a:rPr lang="it-IT" smtClean="0"/>
-              <a:t>22/11/2022</a:t>
+              <a:t>23/11/2022</a:t>
             </a:fld>
             <a:endParaRPr lang="it-IT"/>
           </a:p>
@@ -2352,7 +2352,7 @@
           <a:p>
             <a:fld id="{96D4E890-AC1C-4815-AC3D-69F7D2CC3242}" type="datetime1">
               <a:rPr lang="it-IT" smtClean="0"/>
-              <a:t>22/11/2022</a:t>
+              <a:t>23/11/2022</a:t>
             </a:fld>
             <a:endParaRPr lang="it-IT"/>
           </a:p>
@@ -2451,7 +2451,7 @@
           <a:p>
             <a:fld id="{6F12C1AE-4874-4DDF-B0E0-AC472492EA65}" type="datetime1">
               <a:rPr lang="it-IT" smtClean="0"/>
-              <a:t>22/11/2022</a:t>
+              <a:t>23/11/2022</a:t>
             </a:fld>
             <a:endParaRPr lang="it-IT"/>
           </a:p>
@@ -2732,7 +2732,7 @@
           <a:p>
             <a:fld id="{0EFE1C8D-2CC1-4E9D-BA4F-743DF9CEB08D}" type="datetime1">
               <a:rPr lang="it-IT" smtClean="0"/>
-              <a:t>22/11/2022</a:t>
+              <a:t>23/11/2022</a:t>
             </a:fld>
             <a:endParaRPr lang="it-IT"/>
           </a:p>
@@ -2989,7 +2989,7 @@
           <a:p>
             <a:fld id="{59BAEF0F-450D-4950-9390-6929E9584C0B}" type="datetime1">
               <a:rPr lang="it-IT" smtClean="0"/>
-              <a:t>22/11/2022</a:t>
+              <a:t>23/11/2022</a:t>
             </a:fld>
             <a:endParaRPr lang="it-IT"/>
           </a:p>
@@ -3215,7 +3215,7 @@
           <a:p>
             <a:fld id="{111A4C11-CB15-4F88-BD6E-2CA6F3B1EC34}" type="datetime1">
               <a:rPr lang="it-IT" smtClean="0"/>
-              <a:t>22/11/2022</a:t>
+              <a:t>23/11/2022</a:t>
             </a:fld>
             <a:endParaRPr lang="it-IT"/>
           </a:p>
@@ -4323,7 +4323,16 @@
                 </a:solidFill>
                 <a:latin typeface="Bahnschrift SemiLight" pitchFamily="34" charset="0"/>
               </a:rPr>
-              <a:t>, xml/dc e xml/</a:t>
+              <a:t>, </a:t>
+            </a:r>
+            <a:r>
+              <a:rPr lang="it-IT" sz="2200" dirty="0" smtClean="0">
+                <a:solidFill>
+                  <a:schemeClr val="bg1"/>
+                </a:solidFill>
+                <a:latin typeface="Bahnschrift SemiLight" pitchFamily="34" charset="0"/>
+              </a:rPr>
+              <a:t>xml/dc, xml/</a:t>
             </a:r>
             <a:r>
               <a:rPr lang="it-IT" sz="2200" dirty="0" err="1" smtClean="0">
@@ -4333,6 +4342,24 @@
                 <a:latin typeface="Bahnschrift SemiLight" pitchFamily="34" charset="0"/>
               </a:rPr>
               <a:t>tei</a:t>
+            </a:r>
+            <a:r>
+              <a:rPr lang="it-IT" sz="2200" dirty="0" smtClean="0">
+                <a:solidFill>
+                  <a:schemeClr val="bg1"/>
+                </a:solidFill>
+                <a:latin typeface="Bahnschrift SemiLight" pitchFamily="34" charset="0"/>
+              </a:rPr>
+              <a:t> e xml/</a:t>
+            </a:r>
+            <a:r>
+              <a:rPr lang="it-IT" sz="2200" dirty="0" err="1" smtClean="0">
+                <a:solidFill>
+                  <a:schemeClr val="bg1"/>
+                </a:solidFill>
+                <a:latin typeface="Bahnschrift SemiLight" pitchFamily="34" charset="0"/>
+              </a:rPr>
+              <a:t>rdf</a:t>
             </a:r>
             <a:r>
               <a:rPr lang="it-IT" sz="2200" dirty="0" smtClean="0">
@@ -5284,7 +5311,16 @@
                 </a:solidFill>
                 <a:latin typeface="Bahnschrift SemiLight" pitchFamily="34" charset="0"/>
               </a:rPr>
-              <a:t>XML/TEI (</a:t>
+              <a:t>XML/TEI - RDF </a:t>
+            </a:r>
+            <a:r>
+              <a:rPr lang="it-IT" sz="2200" dirty="0" smtClean="0">
+                <a:solidFill>
+                  <a:schemeClr val="bg1"/>
+                </a:solidFill>
+                <a:latin typeface="Bahnschrift SemiLight" pitchFamily="34" charset="0"/>
+              </a:rPr>
+              <a:t>(</a:t>
             </a:r>
             <a:r>
               <a:rPr lang="it-IT" sz="2200" dirty="0" smtClean="0">
@@ -5356,23 +5392,8 @@
                 </a:solidFill>
                 <a:latin typeface="Bahnschrift SemiLight" pitchFamily="34" charset="0"/>
               </a:rPr>
-              <a:t>Completare </a:t>
-            </a:r>
-            <a:r>
-              <a:rPr lang="it-IT" sz="2200" dirty="0" smtClean="0">
-                <a:solidFill>
-                  <a:schemeClr val="bg1"/>
-                </a:solidFill>
-                <a:latin typeface="Bahnschrift SemiLight" pitchFamily="34" charset="0"/>
-              </a:rPr>
-              <a:t>XML/DC, XML/TEI, XML/RDF</a:t>
-            </a:r>
-            <a:endParaRPr lang="it-IT" sz="2200" dirty="0" smtClean="0">
-              <a:solidFill>
-                <a:schemeClr val="bg1"/>
-              </a:solidFill>
-              <a:latin typeface="Bahnschrift SemiLight" pitchFamily="34" charset="0"/>
-            </a:endParaRPr>
+              <a:t>Completare XML/DC, XML/TEI, XML/RDF</a:t>
+            </a:r>
           </a:p>
           <a:p>
             <a:pPr marL="0" indent="0">
@@ -5414,25 +5435,7 @@
                 </a:solidFill>
                 <a:latin typeface="Bahnschrift SemiLight" pitchFamily="34" charset="0"/>
               </a:rPr>
-              <a:t>.) + Marcare </a:t>
-            </a:r>
-            <a:r>
-              <a:rPr lang="it-IT" sz="2200" dirty="0" smtClean="0">
-                <a:solidFill>
-                  <a:schemeClr val="bg1"/>
-                </a:solidFill>
-                <a:latin typeface="Bahnschrift SemiLight" pitchFamily="34" charset="0"/>
-              </a:rPr>
-              <a:t>la descrizione del Mago nei fumetti (item aggiunti</a:t>
-            </a:r>
-            <a:r>
-              <a:rPr lang="it-IT" sz="2200" dirty="0" smtClean="0">
-                <a:solidFill>
-                  <a:schemeClr val="bg1"/>
-                </a:solidFill>
-                <a:latin typeface="Bahnschrift SemiLight" pitchFamily="34" charset="0"/>
-              </a:rPr>
-              <a:t>)</a:t>
+              <a:t>.) + Marcare la descrizione del Mago nei fumetti (item aggiunti)</a:t>
             </a:r>
           </a:p>
           <a:p>
